--- a/Unit 12/Breakout Unit 12.pptx
+++ b/Unit 12/Breakout Unit 12.pptx
@@ -3362,8 +3362,13 @@
           <a:p>
             <a:r>
               <a:rPr lang="en-US" dirty="0"/>
-              <a:t>Break Out 3</a:t>
-            </a:r>
+              <a:t>Break </a:t>
+            </a:r>
+            <a:r>
+              <a:rPr lang="en-US"/>
+              <a:t>Out 3: Bonus</a:t>
+            </a:r>
+            <a:endParaRPr lang="en-US" dirty="0"/>
           </a:p>
         </p:txBody>
       </p:sp>
